--- a/企画書.pptx
+++ b/企画書.pptx
@@ -255,7 +255,7 @@
           <a:p>
             <a:fld id="{D0C963A8-F518-45CC-9350-8693E6F58E36}" type="datetimeFigureOut">
               <a:rPr kumimoji="1" lang="ja-JP" altLang="en-US" smtClean="0"/>
-              <a:t>2023/6/26</a:t>
+              <a:t>2023/6/28</a:t>
             </a:fld>
             <a:endParaRPr kumimoji="1" lang="ja-JP" altLang="en-US"/>
           </a:p>
@@ -457,7 +457,7 @@
           <a:p>
             <a:fld id="{D0C963A8-F518-45CC-9350-8693E6F58E36}" type="datetimeFigureOut">
               <a:rPr kumimoji="1" lang="ja-JP" altLang="en-US" smtClean="0"/>
-              <a:t>2023/6/26</a:t>
+              <a:t>2023/6/28</a:t>
             </a:fld>
             <a:endParaRPr kumimoji="1" lang="ja-JP" altLang="en-US"/>
           </a:p>
@@ -669,7 +669,7 @@
           <a:p>
             <a:fld id="{D0C963A8-F518-45CC-9350-8693E6F58E36}" type="datetimeFigureOut">
               <a:rPr kumimoji="1" lang="ja-JP" altLang="en-US" smtClean="0"/>
-              <a:t>2023/6/26</a:t>
+              <a:t>2023/6/28</a:t>
             </a:fld>
             <a:endParaRPr kumimoji="1" lang="ja-JP" altLang="en-US"/>
           </a:p>
@@ -871,7 +871,7 @@
           <a:p>
             <a:fld id="{D0C963A8-F518-45CC-9350-8693E6F58E36}" type="datetimeFigureOut">
               <a:rPr kumimoji="1" lang="ja-JP" altLang="en-US" smtClean="0"/>
-              <a:t>2023/6/26</a:t>
+              <a:t>2023/6/28</a:t>
             </a:fld>
             <a:endParaRPr kumimoji="1" lang="ja-JP" altLang="en-US"/>
           </a:p>
@@ -1115,7 +1115,7 @@
           <a:p>
             <a:fld id="{D0C963A8-F518-45CC-9350-8693E6F58E36}" type="datetimeFigureOut">
               <a:rPr kumimoji="1" lang="ja-JP" altLang="en-US" smtClean="0"/>
-              <a:t>2023/6/26</a:t>
+              <a:t>2023/6/28</a:t>
             </a:fld>
             <a:endParaRPr kumimoji="1" lang="ja-JP" altLang="en-US"/>
           </a:p>
@@ -1411,7 +1411,7 @@
           <a:p>
             <a:fld id="{D0C963A8-F518-45CC-9350-8693E6F58E36}" type="datetimeFigureOut">
               <a:rPr kumimoji="1" lang="ja-JP" altLang="en-US" smtClean="0"/>
-              <a:t>2023/6/26</a:t>
+              <a:t>2023/6/28</a:t>
             </a:fld>
             <a:endParaRPr kumimoji="1" lang="ja-JP" altLang="en-US"/>
           </a:p>
@@ -1842,7 +1842,7 @@
           <a:p>
             <a:fld id="{D0C963A8-F518-45CC-9350-8693E6F58E36}" type="datetimeFigureOut">
               <a:rPr kumimoji="1" lang="ja-JP" altLang="en-US" smtClean="0"/>
-              <a:t>2023/6/26</a:t>
+              <a:t>2023/6/28</a:t>
             </a:fld>
             <a:endParaRPr kumimoji="1" lang="ja-JP" altLang="en-US"/>
           </a:p>
@@ -1960,7 +1960,7 @@
           <a:p>
             <a:fld id="{D0C963A8-F518-45CC-9350-8693E6F58E36}" type="datetimeFigureOut">
               <a:rPr kumimoji="1" lang="ja-JP" altLang="en-US" smtClean="0"/>
-              <a:t>2023/6/26</a:t>
+              <a:t>2023/6/28</a:t>
             </a:fld>
             <a:endParaRPr kumimoji="1" lang="ja-JP" altLang="en-US"/>
           </a:p>
@@ -2055,7 +2055,7 @@
           <a:p>
             <a:fld id="{D0C963A8-F518-45CC-9350-8693E6F58E36}" type="datetimeFigureOut">
               <a:rPr kumimoji="1" lang="ja-JP" altLang="en-US" smtClean="0"/>
-              <a:t>2023/6/26</a:t>
+              <a:t>2023/6/28</a:t>
             </a:fld>
             <a:endParaRPr kumimoji="1" lang="ja-JP" altLang="en-US"/>
           </a:p>
@@ -2364,7 +2364,7 @@
           <a:p>
             <a:fld id="{D0C963A8-F518-45CC-9350-8693E6F58E36}" type="datetimeFigureOut">
               <a:rPr kumimoji="1" lang="ja-JP" altLang="en-US" smtClean="0"/>
-              <a:t>2023/6/26</a:t>
+              <a:t>2023/6/28</a:t>
             </a:fld>
             <a:endParaRPr kumimoji="1" lang="ja-JP" altLang="en-US"/>
           </a:p>
@@ -2621,7 +2621,7 @@
           <a:p>
             <a:fld id="{D0C963A8-F518-45CC-9350-8693E6F58E36}" type="datetimeFigureOut">
               <a:rPr kumimoji="1" lang="ja-JP" altLang="en-US" smtClean="0"/>
-              <a:t>2023/6/26</a:t>
+              <a:t>2023/6/28</a:t>
             </a:fld>
             <a:endParaRPr kumimoji="1" lang="ja-JP" altLang="en-US"/>
           </a:p>
@@ -2866,7 +2866,7 @@
           <a:p>
             <a:fld id="{D0C963A8-F518-45CC-9350-8693E6F58E36}" type="datetimeFigureOut">
               <a:rPr kumimoji="1" lang="ja-JP" altLang="en-US" smtClean="0"/>
-              <a:t>2023/6/26</a:t>
+              <a:t>2023/6/28</a:t>
             </a:fld>
             <a:endParaRPr kumimoji="1" lang="ja-JP" altLang="en-US"/>
           </a:p>
@@ -3322,7 +3322,7 @@
         <p:spPr>
           <a:xfrm>
             <a:off x="5721564" y="781235"/>
-            <a:ext cx="861774" cy="7109151"/>
+            <a:ext cx="861774" cy="9274707"/>
           </a:xfrm>
           <a:prstGeom prst="rect">
             <a:avLst/>
@@ -3344,6 +3344,26 @@
                 <a:ea typeface="02うつくし明朝体" panose="02000600000000000000" pitchFamily="50" charset="-128"/>
               </a:rPr>
               <a:t>近未来</a:t>
+            </a:r>
+            <a:r>
+              <a:rPr kumimoji="1" lang="en-US" altLang="ja-JP" sz="4400" dirty="0">
+                <a:solidFill>
+                  <a:srgbClr val="FF0066"/>
+                </a:solidFill>
+                <a:latin typeface="02うつくし明朝体" panose="02000600000000000000" pitchFamily="50" charset="-128"/>
+                <a:ea typeface="02うつくし明朝体" panose="02000600000000000000" pitchFamily="50" charset="-128"/>
+              </a:rPr>
+              <a:t>×</a:t>
+            </a:r>
+            <a:r>
+              <a:rPr kumimoji="1" lang="ja-JP" altLang="en-US" sz="4400" dirty="0">
+                <a:solidFill>
+                  <a:srgbClr val="FF0066"/>
+                </a:solidFill>
+                <a:latin typeface="02うつくし明朝体" panose="02000600000000000000" pitchFamily="50" charset="-128"/>
+                <a:ea typeface="02うつくし明朝体" panose="02000600000000000000" pitchFamily="50" charset="-128"/>
+              </a:rPr>
+              <a:t>裏社会</a:t>
             </a:r>
             <a:r>
               <a:rPr kumimoji="1" lang="en-US" altLang="ja-JP" sz="4400" dirty="0">
